--- a/Fukuyama/ゲームキャンプ企画書.pptx
+++ b/Fukuyama/ゲームキャンプ企画書.pptx
@@ -10,6 +10,8 @@
     <p:sldId id="257" r:id="rId4"/>
     <p:sldId id="261" r:id="rId5"/>
     <p:sldId id="260" r:id="rId6"/>
+    <p:sldId id="263" r:id="rId7"/>
+    <p:sldId id="262" r:id="rId8"/>
   </p:sldIdLst>
   <p:sldSz cx="12192000" cy="6858000"/>
   <p:notesSz cx="6858000" cy="9144000"/>
@@ -118,6 +120,8 @@
             <p14:sldId id="257"/>
             <p14:sldId id="261"/>
             <p14:sldId id="260"/>
+            <p14:sldId id="263"/>
+            <p14:sldId id="262"/>
           </p14:sldIdLst>
         </p14:section>
       </p14:sectionLst>
@@ -4093,6 +4097,28 @@
               <a:rPr lang="ja-JP" altLang="en-US" dirty="0"/>
               <a:t>・近距離攻撃は威力が高く遠距離攻撃は威力が低い</a:t>
             </a:r>
+            <a:endParaRPr lang="en-US" altLang="ja-JP" dirty="0"/>
+          </a:p>
+          <a:p>
+            <a:pPr marL="0" indent="0">
+              <a:buNone/>
+            </a:pPr>
+            <a:endParaRPr kumimoji="1" lang="en-US" altLang="ja-JP" dirty="0"/>
+          </a:p>
+          <a:p>
+            <a:pPr marL="0" indent="0">
+              <a:buNone/>
+            </a:pPr>
+            <a:r>
+              <a:rPr lang="ja-JP" altLang="en-US" dirty="0"/>
+              <a:t>・ギミックや敵の遠距離攻撃を回避するためにジャンプを使用</a:t>
+            </a:r>
+            <a:endParaRPr lang="en-US" altLang="ja-JP" dirty="0"/>
+          </a:p>
+          <a:p>
+            <a:pPr marL="0" indent="0">
+              <a:buNone/>
+            </a:pPr>
             <a:endParaRPr kumimoji="1" lang="ja-JP" altLang="en-US" dirty="0"/>
           </a:p>
         </p:txBody>
@@ -4208,7 +4234,7 @@
             </a:br>
             <a:r>
               <a:rPr lang="ja-JP" altLang="en-US" dirty="0"/>
-              <a:t>ギミック生成タイプ</a:t>
+              <a:t>ギミック生成タイプ（炎や樽など）</a:t>
             </a:r>
             <a:br>
               <a:rPr lang="en-US" altLang="ja-JP" dirty="0"/>
@@ -4236,6 +4262,198 @@
     <p:extLst>
       <p:ext uri="{BB962C8B-B14F-4D97-AF65-F5344CB8AC3E}">
         <p14:creationId xmlns:p14="http://schemas.microsoft.com/office/powerpoint/2010/main" val="3486982418"/>
+      </p:ext>
+    </p:extLst>
+  </p:cSld>
+  <p:clrMapOvr>
+    <a:masterClrMapping/>
+  </p:clrMapOvr>
+</p:sld>
+</file>
+
+<file path=ppt/slides/slide6.xml><?xml version="1.0" encoding="utf-8"?>
+<p:sld xmlns:a="http://schemas.openxmlformats.org/drawingml/2006/main" xmlns:r="http://schemas.openxmlformats.org/officeDocument/2006/relationships" xmlns:p="http://schemas.openxmlformats.org/presentationml/2006/main">
+  <p:cSld>
+    <p:spTree>
+      <p:nvGrpSpPr>
+        <p:cNvPr id="1" name=""/>
+        <p:cNvGrpSpPr/>
+        <p:nvPr/>
+      </p:nvGrpSpPr>
+      <p:grpSpPr>
+        <a:xfrm>
+          <a:off x="0" y="0"/>
+          <a:ext cx="0" cy="0"/>
+          <a:chOff x="0" y="0"/>
+          <a:chExt cx="0" cy="0"/>
+        </a:xfrm>
+      </p:grpSpPr>
+      <p:sp>
+        <p:nvSpPr>
+          <p:cNvPr id="2" name="タイトル 1">
+            <a:extLst>
+              <a:ext uri="{FF2B5EF4-FFF2-40B4-BE49-F238E27FC236}">
+                <a16:creationId xmlns:a16="http://schemas.microsoft.com/office/drawing/2014/main" id="{0A706983-6EE4-4644-A104-E1A02AE89BB7}"/>
+              </a:ext>
+            </a:extLst>
+          </p:cNvPr>
+          <p:cNvSpPr>
+            <a:spLocks noGrp="1"/>
+          </p:cNvSpPr>
+          <p:nvPr>
+            <p:ph type="title"/>
+          </p:nvPr>
+        </p:nvSpPr>
+        <p:spPr>
+          <a:xfrm>
+            <a:off x="838200" y="365125"/>
+            <a:ext cx="10515600" cy="6175524"/>
+          </a:xfrm>
+        </p:spPr>
+        <p:txBody>
+          <a:bodyPr/>
+          <a:lstStyle/>
+          <a:p>
+            <a:r>
+              <a:rPr kumimoji="1" lang="ja-JP" altLang="en-US" dirty="0"/>
+              <a:t>・敵の動きについて</a:t>
+            </a:r>
+            <a:br>
+              <a:rPr kumimoji="1" lang="en-US" altLang="ja-JP" dirty="0"/>
+            </a:br>
+            <a:r>
+              <a:rPr kumimoji="1" lang="ja-JP" altLang="en-US" dirty="0"/>
+              <a:t>遠距離、ギミック生成タイプ以外は</a:t>
+            </a:r>
+            <a:r>
+              <a:rPr kumimoji="1" lang="en-US" altLang="ja-JP" dirty="0"/>
+              <a:t>PC</a:t>
+            </a:r>
+            <a:r>
+              <a:rPr kumimoji="1" lang="ja-JP" altLang="en-US" dirty="0"/>
+              <a:t>に軸を合わせて追従してくる</a:t>
+            </a:r>
+            <a:br>
+              <a:rPr kumimoji="1" lang="en-US" altLang="ja-JP" dirty="0"/>
+            </a:br>
+            <a:br>
+              <a:rPr kumimoji="1" lang="en-US" altLang="ja-JP" dirty="0"/>
+            </a:br>
+            <a:r>
+              <a:rPr kumimoji="1" lang="ja-JP" altLang="en-US" dirty="0"/>
+              <a:t>ギミック生成タイプは出現時にそのラインでギミックを生成</a:t>
+            </a:r>
+            <a:br>
+              <a:rPr kumimoji="1" lang="en-US" altLang="ja-JP" dirty="0"/>
+            </a:br>
+            <a:endParaRPr kumimoji="1" lang="ja-JP" altLang="en-US" dirty="0"/>
+          </a:p>
+        </p:txBody>
+      </p:sp>
+    </p:spTree>
+    <p:extLst>
+      <p:ext uri="{BB962C8B-B14F-4D97-AF65-F5344CB8AC3E}">
+        <p14:creationId xmlns:p14="http://schemas.microsoft.com/office/powerpoint/2010/main" val="3084569329"/>
+      </p:ext>
+    </p:extLst>
+  </p:cSld>
+  <p:clrMapOvr>
+    <a:masterClrMapping/>
+  </p:clrMapOvr>
+</p:sld>
+</file>
+
+<file path=ppt/slides/slide7.xml><?xml version="1.0" encoding="utf-8"?>
+<p:sld xmlns:a="http://schemas.openxmlformats.org/drawingml/2006/main" xmlns:r="http://schemas.openxmlformats.org/officeDocument/2006/relationships" xmlns:p="http://schemas.openxmlformats.org/presentationml/2006/main">
+  <p:cSld>
+    <p:spTree>
+      <p:nvGrpSpPr>
+        <p:cNvPr id="1" name=""/>
+        <p:cNvGrpSpPr/>
+        <p:nvPr/>
+      </p:nvGrpSpPr>
+      <p:grpSpPr>
+        <a:xfrm>
+          <a:off x="0" y="0"/>
+          <a:ext cx="0" cy="0"/>
+          <a:chOff x="0" y="0"/>
+          <a:chExt cx="0" cy="0"/>
+        </a:xfrm>
+      </p:grpSpPr>
+      <p:sp>
+        <p:nvSpPr>
+          <p:cNvPr id="2" name="タイトル 1">
+            <a:extLst>
+              <a:ext uri="{FF2B5EF4-FFF2-40B4-BE49-F238E27FC236}">
+                <a16:creationId xmlns:a16="http://schemas.microsoft.com/office/drawing/2014/main" id="{5EDB90D0-9596-4413-A2E0-3089600B2134}"/>
+              </a:ext>
+            </a:extLst>
+          </p:cNvPr>
+          <p:cNvSpPr>
+            <a:spLocks noGrp="1"/>
+          </p:cNvSpPr>
+          <p:nvPr>
+            <p:ph type="title"/>
+          </p:nvPr>
+        </p:nvSpPr>
+        <p:spPr>
+          <a:xfrm>
+            <a:off x="838200" y="365125"/>
+            <a:ext cx="10515600" cy="6229313"/>
+          </a:xfrm>
+        </p:spPr>
+        <p:txBody>
+          <a:bodyPr>
+            <a:normAutofit/>
+          </a:bodyPr>
+          <a:lstStyle/>
+          <a:p>
+            <a:r>
+              <a:rPr kumimoji="1" lang="ja-JP" altLang="en-US" dirty="0"/>
+              <a:t>・ギミックについて</a:t>
+            </a:r>
+            <a:br>
+              <a:rPr kumimoji="1" lang="en-US" altLang="ja-JP" dirty="0"/>
+            </a:br>
+            <a:r>
+              <a:rPr lang="ja-JP" altLang="en-US" dirty="0"/>
+              <a:t>横直線ライン上にダメージの</a:t>
+            </a:r>
+            <a:br>
+              <a:rPr lang="en-US" altLang="ja-JP" dirty="0"/>
+            </a:br>
+            <a:r>
+              <a:rPr lang="ja-JP" altLang="en-US" dirty="0"/>
+              <a:t>発生するギミック</a:t>
+            </a:r>
+            <a:br>
+              <a:rPr lang="en-US" altLang="ja-JP" dirty="0"/>
+            </a:br>
+            <a:br>
+              <a:rPr lang="en-US" altLang="ja-JP" dirty="0"/>
+            </a:br>
+            <a:r>
+              <a:rPr lang="ja-JP" altLang="en-US" dirty="0"/>
+              <a:t>横直線波線に動くダメージギミック</a:t>
+            </a:r>
+            <a:br>
+              <a:rPr lang="en-US" altLang="ja-JP" dirty="0"/>
+            </a:br>
+            <a:br>
+              <a:rPr lang="en-US" altLang="ja-JP" dirty="0"/>
+            </a:br>
+            <a:r>
+              <a:rPr lang="ja-JP" altLang="en-US"/>
+              <a:t>横直線に移動するダメージギミック</a:t>
+            </a:r>
+            <a:endParaRPr kumimoji="1" lang="ja-JP" altLang="en-US" dirty="0"/>
+          </a:p>
+        </p:txBody>
+      </p:sp>
+    </p:spTree>
+    <p:extLst>
+      <p:ext uri="{BB962C8B-B14F-4D97-AF65-F5344CB8AC3E}">
+        <p14:creationId xmlns:p14="http://schemas.microsoft.com/office/powerpoint/2010/main" val="2313392443"/>
       </p:ext>
     </p:extLst>
   </p:cSld>

--- a/Fukuyama/ゲームキャンプ企画書.pptx
+++ b/Fukuyama/ゲームキャンプ企画書.pptx
@@ -3832,31 +3832,6 @@
       </p:grpSpPr>
       <p:sp>
         <p:nvSpPr>
-          <p:cNvPr id="2" name="タイトル 1">
-            <a:extLst>
-              <a:ext uri="{FF2B5EF4-FFF2-40B4-BE49-F238E27FC236}">
-                <a16:creationId xmlns:a16="http://schemas.microsoft.com/office/drawing/2014/main" id="{8150CEB5-150A-416D-A217-EDC0A876459B}"/>
-              </a:ext>
-            </a:extLst>
-          </p:cNvPr>
-          <p:cNvSpPr>
-            <a:spLocks noGrp="1"/>
-          </p:cNvSpPr>
-          <p:nvPr>
-            <p:ph type="title"/>
-          </p:nvPr>
-        </p:nvSpPr>
-        <p:spPr/>
-        <p:txBody>
-          <a:bodyPr/>
-          <a:lstStyle/>
-          <a:p>
-            <a:endParaRPr kumimoji="1" lang="ja-JP" altLang="en-US"/>
-          </a:p>
-        </p:txBody>
-      </p:sp>
-      <p:sp>
-        <p:nvSpPr>
           <p:cNvPr id="3" name="コンテンツ プレースホルダー 2">
             <a:extLst>
               <a:ext uri="{FF2B5EF4-FFF2-40B4-BE49-F238E27FC236}">
@@ -4036,31 +4011,6 @@
       </p:grpSpPr>
       <p:sp>
         <p:nvSpPr>
-          <p:cNvPr id="2" name="タイトル 1">
-            <a:extLst>
-              <a:ext uri="{FF2B5EF4-FFF2-40B4-BE49-F238E27FC236}">
-                <a16:creationId xmlns:a16="http://schemas.microsoft.com/office/drawing/2014/main" id="{6CA9A260-8EFE-4310-94A2-702057A6FC4A}"/>
-              </a:ext>
-            </a:extLst>
-          </p:cNvPr>
-          <p:cNvSpPr>
-            <a:spLocks noGrp="1"/>
-          </p:cNvSpPr>
-          <p:nvPr>
-            <p:ph type="title"/>
-          </p:nvPr>
-        </p:nvSpPr>
-        <p:spPr/>
-        <p:txBody>
-          <a:bodyPr/>
-          <a:lstStyle/>
-          <a:p>
-            <a:endParaRPr kumimoji="1" lang="ja-JP" altLang="en-US"/>
-          </a:p>
-        </p:txBody>
-      </p:sp>
-      <p:sp>
-        <p:nvSpPr>
           <p:cNvPr id="3" name="コンテンツ プレースホルダー 2">
             <a:extLst>
               <a:ext uri="{FF2B5EF4-FFF2-40B4-BE49-F238E27FC236}">
@@ -4191,7 +4141,7 @@
             </a:br>
             <a:r>
               <a:rPr lang="ja-JP" altLang="en-US" dirty="0"/>
-              <a:t>３～５＋ボス１</a:t>
+              <a:t>３～５種類＋ボス１</a:t>
             </a:r>
             <a:br>
               <a:rPr lang="en-US" altLang="ja-JP" dirty="0"/>
@@ -4443,7 +4393,7 @@
               <a:rPr lang="en-US" altLang="ja-JP" dirty="0"/>
             </a:br>
             <a:r>
-              <a:rPr lang="ja-JP" altLang="en-US"/>
+              <a:rPr lang="ja-JP" altLang="en-US" dirty="0"/>
               <a:t>横直線に移動するダメージギミック</a:t>
             </a:r>
             <a:endParaRPr kumimoji="1" lang="ja-JP" altLang="en-US" dirty="0"/>

--- a/Fukuyama/ゲームキャンプ企画書.pptx
+++ b/Fukuyama/ゲームキャンプ企画書.pptx
@@ -12,6 +12,7 @@
     <p:sldId id="260" r:id="rId6"/>
     <p:sldId id="263" r:id="rId7"/>
     <p:sldId id="262" r:id="rId8"/>
+    <p:sldId id="264" r:id="rId9"/>
   </p:sldIdLst>
   <p:sldSz cx="12192000" cy="6858000"/>
   <p:notesSz cx="6858000" cy="9144000"/>
@@ -122,6 +123,7 @@
             <p14:sldId id="260"/>
             <p14:sldId id="263"/>
             <p14:sldId id="262"/>
+            <p14:sldId id="264"/>
           </p14:sldIdLst>
         </p14:section>
       </p14:sectionLst>
@@ -3651,40 +3653,34 @@
             <p:ph type="ctrTitle"/>
           </p:nvPr>
         </p:nvSpPr>
-        <p:spPr/>
-        <p:txBody>
-          <a:bodyPr/>
-          <a:lstStyle/>
-          <a:p>
-            <a:r>
-              <a:rPr kumimoji="1" lang="ja-JP" altLang="en-US" dirty="0"/>
-              <a:t>タイトル未定</a:t>
-            </a:r>
-          </a:p>
-        </p:txBody>
-      </p:sp>
-      <p:sp>
-        <p:nvSpPr>
-          <p:cNvPr id="3" name="字幕 2">
-            <a:extLst>
-              <a:ext uri="{FF2B5EF4-FFF2-40B4-BE49-F238E27FC236}">
-                <a16:creationId xmlns:a16="http://schemas.microsoft.com/office/drawing/2014/main" id="{20F6CDE7-E107-45D9-B58A-CEC27B152973}"/>
-              </a:ext>
-            </a:extLst>
-          </p:cNvPr>
-          <p:cNvSpPr>
-            <a:spLocks noGrp="1"/>
-          </p:cNvSpPr>
-          <p:nvPr>
-            <p:ph type="subTitle" idx="1"/>
-          </p:nvPr>
-        </p:nvSpPr>
-        <p:spPr/>
-        <p:txBody>
-          <a:bodyPr/>
-          <a:lstStyle/>
-          <a:p>
-            <a:endParaRPr kumimoji="1" lang="ja-JP" altLang="en-US"/>
+        <p:spPr>
+          <a:xfrm>
+            <a:off x="1524000" y="2235200"/>
+            <a:ext cx="9144000" cy="2387600"/>
+          </a:xfrm>
+        </p:spPr>
+        <p:txBody>
+          <a:bodyPr>
+            <a:normAutofit fontScale="90000"/>
+          </a:bodyPr>
+          <a:lstStyle/>
+          <a:p>
+            <a:r>
+              <a:rPr lang="en-US" altLang="ja-JP" dirty="0"/>
+              <a:t>2019</a:t>
+            </a:r>
+            <a:r>
+              <a:rPr lang="ja-JP" altLang="en-US" dirty="0"/>
+              <a:t>年ゲームクリエイター学科</a:t>
+            </a:r>
+            <a:br>
+              <a:rPr lang="en-US" altLang="ja-JP" dirty="0"/>
+            </a:br>
+            <a:r>
+              <a:rPr lang="ja-JP" altLang="en-US" dirty="0"/>
+              <a:t>ゲームキャンプ企画書</a:t>
+            </a:r>
+            <a:endParaRPr kumimoji="1" lang="ja-JP" altLang="en-US" dirty="0"/>
           </a:p>
         </p:txBody>
       </p:sp>
@@ -3769,34 +3765,37 @@
       </p:sp>
       <p:sp>
         <p:nvSpPr>
-          <p:cNvPr id="3" name="コンテンツ プレースホルダー 2">
-            <a:extLst>
-              <a:ext uri="{FF2B5EF4-FFF2-40B4-BE49-F238E27FC236}">
-                <a16:creationId xmlns:a16="http://schemas.microsoft.com/office/drawing/2014/main" id="{3417580D-4FA2-4C68-B518-0736E89FDA9B}"/>
-              </a:ext>
-            </a:extLst>
-          </p:cNvPr>
-          <p:cNvSpPr>
-            <a:spLocks noGrp="1"/>
-          </p:cNvSpPr>
-          <p:nvPr>
-            <p:ph idx="1"/>
-          </p:nvPr>
+          <p:cNvPr id="4" name="テキスト ボックス 3">
+            <a:extLst>
+              <a:ext uri="{FF2B5EF4-FFF2-40B4-BE49-F238E27FC236}">
+                <a16:creationId xmlns:a16="http://schemas.microsoft.com/office/drawing/2014/main" id="{5019331B-13B7-4EBB-9900-21CA4A27D56E}"/>
+              </a:ext>
+            </a:extLst>
+          </p:cNvPr>
+          <p:cNvSpPr txBox="1"/>
+          <p:nvPr/>
         </p:nvSpPr>
         <p:spPr>
           <a:xfrm>
-            <a:off x="838200" y="1095375"/>
-            <a:ext cx="10515600" cy="4351338"/>
+            <a:off x="4080063" y="566028"/>
+            <a:ext cx="4031873" cy="1015663"/>
           </a:xfrm>
+          <a:prstGeom prst="rect">
+            <a:avLst/>
+          </a:prstGeom>
+          <a:noFill/>
         </p:spPr>
         <p:txBody>
-          <a:bodyPr/>
-          <a:lstStyle/>
-          <a:p>
-            <a:pPr marL="0" indent="0">
-              <a:buNone/>
-            </a:pPr>
-            <a:endParaRPr lang="en-US" altLang="ja-JP" dirty="0"/>
+          <a:bodyPr wrap="none" rtlCol="0">
+            <a:spAutoFit/>
+          </a:bodyPr>
+          <a:lstStyle/>
+          <a:p>
+            <a:r>
+              <a:rPr kumimoji="1" lang="ja-JP" altLang="en-US" sz="6000" dirty="0"/>
+              <a:t>ゲーム概要</a:t>
+            </a:r>
+            <a:endParaRPr kumimoji="1" lang="ja-JP" altLang="en-US" dirty="0"/>
           </a:p>
         </p:txBody>
       </p:sp>
@@ -3848,13 +3847,13 @@
         </p:nvSpPr>
         <p:spPr>
           <a:xfrm>
-            <a:off x="838200" y="484094"/>
-            <a:ext cx="10515600" cy="6088828"/>
+            <a:off x="838200" y="1979407"/>
+            <a:ext cx="10515600" cy="4453666"/>
           </a:xfrm>
         </p:spPr>
         <p:txBody>
           <a:bodyPr>
-            <a:normAutofit lnSpcReduction="10000"/>
+            <a:normAutofit fontScale="85000" lnSpcReduction="20000"/>
           </a:bodyPr>
           <a:lstStyle/>
           <a:p>
@@ -3923,7 +3922,7 @@
             </a:pPr>
             <a:r>
               <a:rPr lang="ja-JP" altLang="en-US" sz="3600" dirty="0"/>
-              <a:t>・ゲージは敵を倒すことでためることが可能</a:t>
+              <a:t>・プレイヤー遠距離攻撃有り</a:t>
             </a:r>
             <a:endParaRPr lang="en-US" altLang="ja-JP" sz="3600" dirty="0"/>
           </a:p>
@@ -3933,7 +3932,7 @@
             </a:pPr>
             <a:r>
               <a:rPr lang="ja-JP" altLang="en-US" sz="3600" dirty="0"/>
-              <a:t>・ステージは３つ（ＷＡＶＥ制）</a:t>
+              <a:t>・近距離攻撃は威力が高く遠距離攻撃は威力が低い</a:t>
             </a:r>
             <a:endParaRPr lang="en-US" altLang="ja-JP" sz="3600" dirty="0"/>
           </a:p>
@@ -3942,40 +3941,64 @@
               <a:buNone/>
             </a:pPr>
             <a:r>
-              <a:rPr kumimoji="1" lang="ja-JP" altLang="en-US" sz="3600" dirty="0"/>
-              <a:t>・</a:t>
-            </a:r>
-            <a:r>
-              <a:rPr kumimoji="1" lang="en-US" altLang="ja-JP" sz="3600" dirty="0"/>
-              <a:t>3</a:t>
-            </a:r>
-            <a:r>
-              <a:rPr kumimoji="1" lang="ja-JP" altLang="en-US" sz="3600" dirty="0"/>
-              <a:t>ステージ目のボスを倒せばゲームクリア</a:t>
-            </a:r>
-            <a:endParaRPr kumimoji="1" lang="en-US" altLang="ja-JP" sz="3600" dirty="0"/>
+              <a:rPr lang="ja-JP" altLang="en-US" sz="3600" dirty="0"/>
+              <a:t>・ギミックや敵の遠距離攻撃を回避するためにジャンプを使用</a:t>
+            </a:r>
+            <a:endParaRPr lang="en-US" altLang="ja-JP" sz="3600" dirty="0"/>
           </a:p>
           <a:p>
             <a:pPr marL="0" indent="0">
               <a:buNone/>
             </a:pPr>
-            <a:r>
-              <a:rPr lang="ja-JP" altLang="en-US" sz="3600" dirty="0"/>
-              <a:t>・ステージギミックは有り</a:t>
-            </a:r>
             <a:endParaRPr lang="en-US" altLang="ja-JP" sz="3600" dirty="0"/>
           </a:p>
-          <a:p>
-            <a:pPr marL="0" indent="0">
-              <a:buNone/>
-            </a:pPr>
-            <a:endParaRPr kumimoji="1" lang="en-US" altLang="ja-JP" dirty="0"/>
-          </a:p>
-          <a:p>
-            <a:pPr marL="0" indent="0">
-              <a:buNone/>
-            </a:pPr>
-            <a:endParaRPr kumimoji="1" lang="ja-JP" altLang="en-US" dirty="0"/>
+        </p:txBody>
+      </p:sp>
+      <p:sp>
+        <p:nvSpPr>
+          <p:cNvPr id="2" name="テキスト ボックス 1">
+            <a:extLst>
+              <a:ext uri="{FF2B5EF4-FFF2-40B4-BE49-F238E27FC236}">
+                <a16:creationId xmlns:a16="http://schemas.microsoft.com/office/drawing/2014/main" id="{83F94154-6C5D-4E8A-86BB-C73DA4BEE0BC}"/>
+              </a:ext>
+            </a:extLst>
+          </p:cNvPr>
+          <p:cNvSpPr txBox="1"/>
+          <p:nvPr/>
+        </p:nvSpPr>
+        <p:spPr>
+          <a:xfrm>
+            <a:off x="3213982" y="570156"/>
+            <a:ext cx="5764036" cy="707886"/>
+          </a:xfrm>
+          <a:prstGeom prst="rect">
+            <a:avLst/>
+          </a:prstGeom>
+          <a:noFill/>
+        </p:spPr>
+        <p:txBody>
+          <a:bodyPr wrap="square" rtlCol="0">
+            <a:spAutoFit/>
+          </a:bodyPr>
+          <a:lstStyle/>
+          <a:p>
+            <a:r>
+              <a:rPr kumimoji="1" lang="ja-JP" altLang="en-US" sz="4000" dirty="0"/>
+              <a:t>プレイヤー概要</a:t>
+            </a:r>
+            <a:r>
+              <a:rPr kumimoji="1" lang="en-US" altLang="ja-JP" sz="4000" dirty="0"/>
+              <a:t>(</a:t>
+            </a:r>
+            <a:r>
+              <a:rPr lang="en-US" altLang="ja-JP" sz="4000" dirty="0"/>
+              <a:t>1</a:t>
+            </a:r>
+            <a:r>
+              <a:rPr kumimoji="1" lang="en-US" altLang="ja-JP" sz="4000" dirty="0"/>
+              <a:t>/2)</a:t>
+            </a:r>
+            <a:endParaRPr kumimoji="1" lang="ja-JP" altLang="en-US" sz="4000" dirty="0"/>
           </a:p>
         </p:txBody>
       </p:sp>
@@ -4025,50 +4048,125 @@
             <p:ph idx="1"/>
           </p:nvPr>
         </p:nvSpPr>
-        <p:spPr/>
-        <p:txBody>
-          <a:bodyPr/>
+        <p:spPr>
+          <a:xfrm>
+            <a:off x="838200" y="1825625"/>
+            <a:ext cx="10515600" cy="4351338"/>
+          </a:xfrm>
+        </p:spPr>
+        <p:txBody>
+          <a:bodyPr>
+            <a:normAutofit/>
+          </a:bodyPr>
           <a:lstStyle/>
           <a:p>
             <a:pPr marL="0" indent="0">
               <a:buNone/>
             </a:pPr>
             <a:r>
-              <a:rPr kumimoji="1" lang="ja-JP" altLang="en-US" dirty="0"/>
-              <a:t>・プレイヤー遠距離攻撃有り</a:t>
-            </a:r>
-            <a:endParaRPr kumimoji="1" lang="en-US" altLang="ja-JP" dirty="0"/>
+              <a:rPr lang="ja-JP" altLang="en-US" sz="3200" dirty="0"/>
+              <a:t>・ゲージは敵を倒すことでためることが可能</a:t>
+            </a:r>
+            <a:endParaRPr lang="en-US" altLang="ja-JP" sz="3200" dirty="0"/>
           </a:p>
           <a:p>
             <a:pPr marL="0" indent="0">
               <a:buNone/>
             </a:pPr>
             <a:r>
-              <a:rPr lang="ja-JP" altLang="en-US" dirty="0"/>
-              <a:t>・近距離攻撃は威力が高く遠距離攻撃は威力が低い</a:t>
-            </a:r>
-            <a:endParaRPr lang="en-US" altLang="ja-JP" dirty="0"/>
+              <a:rPr lang="ja-JP" altLang="en-US" sz="3200" dirty="0"/>
+              <a:t>・ステージは３つ（ＷＡＶＥ制）</a:t>
+            </a:r>
+            <a:endParaRPr lang="en-US" altLang="ja-JP" sz="3200" dirty="0"/>
           </a:p>
           <a:p>
             <a:pPr marL="0" indent="0">
               <a:buNone/>
             </a:pPr>
-            <a:endParaRPr kumimoji="1" lang="en-US" altLang="ja-JP" dirty="0"/>
+            <a:r>
+              <a:rPr lang="ja-JP" altLang="en-US" sz="3200" dirty="0"/>
+              <a:t>・</a:t>
+            </a:r>
+            <a:r>
+              <a:rPr lang="en-US" altLang="ja-JP" sz="3200" dirty="0"/>
+              <a:t>3</a:t>
+            </a:r>
+            <a:r>
+              <a:rPr lang="ja-JP" altLang="en-US" sz="3200" dirty="0"/>
+              <a:t>ステージ目のボスを倒せばゲームクリア</a:t>
+            </a:r>
+            <a:endParaRPr lang="en-US" altLang="ja-JP" sz="3200" dirty="0"/>
           </a:p>
           <a:p>
             <a:pPr marL="0" indent="0">
               <a:buNone/>
             </a:pPr>
             <a:r>
-              <a:rPr lang="ja-JP" altLang="en-US" dirty="0"/>
-              <a:t>・ギミックや敵の遠距離攻撃を回避するためにジャンプを使用</a:t>
-            </a:r>
-            <a:endParaRPr lang="en-US" altLang="ja-JP" dirty="0"/>
+              <a:rPr lang="ja-JP" altLang="en-US" sz="3200" dirty="0"/>
+              <a:t>・ステージギミックは有り</a:t>
+            </a:r>
+            <a:endParaRPr kumimoji="1" lang="en-US" altLang="ja-JP" sz="3200" dirty="0"/>
           </a:p>
           <a:p>
             <a:pPr marL="0" indent="0">
               <a:buNone/>
             </a:pPr>
+            <a:endParaRPr kumimoji="1" lang="ja-JP" altLang="en-US" dirty="0"/>
+          </a:p>
+        </p:txBody>
+      </p:sp>
+      <p:sp>
+        <p:nvSpPr>
+          <p:cNvPr id="2" name="テキスト ボックス 1">
+            <a:extLst>
+              <a:ext uri="{FF2B5EF4-FFF2-40B4-BE49-F238E27FC236}">
+                <a16:creationId xmlns:a16="http://schemas.microsoft.com/office/drawing/2014/main" id="{E46E5196-EECD-4367-B0EB-80F57075DB8B}"/>
+              </a:ext>
+            </a:extLst>
+          </p:cNvPr>
+          <p:cNvSpPr txBox="1"/>
+          <p:nvPr/>
+        </p:nvSpPr>
+        <p:spPr>
+          <a:xfrm>
+            <a:off x="3599964" y="681037"/>
+            <a:ext cx="4992072" cy="984885"/>
+          </a:xfrm>
+          <a:prstGeom prst="rect">
+            <a:avLst/>
+          </a:prstGeom>
+          <a:noFill/>
+        </p:spPr>
+        <p:txBody>
+          <a:bodyPr wrap="none" rtlCol="0">
+            <a:spAutoFit/>
+          </a:bodyPr>
+          <a:lstStyle/>
+          <a:p>
+            <a:pPr lvl="0"/>
+            <a:r>
+              <a:rPr lang="ja-JP" altLang="en-US" sz="4000" dirty="0">
+                <a:solidFill>
+                  <a:prstClr val="black"/>
+                </a:solidFill>
+              </a:rPr>
+              <a:t>プレイヤー概要</a:t>
+            </a:r>
+            <a:r>
+              <a:rPr lang="en-US" altLang="ja-JP" sz="4000" dirty="0">
+                <a:solidFill>
+                  <a:prstClr val="black"/>
+                </a:solidFill>
+              </a:rPr>
+              <a:t>(2/2)</a:t>
+            </a:r>
+            <a:endParaRPr lang="ja-JP" altLang="en-US" sz="4000" dirty="0">
+              <a:solidFill>
+                <a:prstClr val="black"/>
+              </a:solidFill>
+            </a:endParaRPr>
+          </a:p>
+          <a:p>
             <a:endParaRPr kumimoji="1" lang="ja-JP" altLang="en-US" dirty="0"/>
           </a:p>
         </p:txBody>
@@ -4404,6 +4502,146 @@
     <p:extLst>
       <p:ext uri="{BB962C8B-B14F-4D97-AF65-F5344CB8AC3E}">
         <p14:creationId xmlns:p14="http://schemas.microsoft.com/office/powerpoint/2010/main" val="2313392443"/>
+      </p:ext>
+    </p:extLst>
+  </p:cSld>
+  <p:clrMapOvr>
+    <a:masterClrMapping/>
+  </p:clrMapOvr>
+</p:sld>
+</file>
+
+<file path=ppt/slides/slide8.xml><?xml version="1.0" encoding="utf-8"?>
+<p:sld xmlns:a="http://schemas.openxmlformats.org/drawingml/2006/main" xmlns:r="http://schemas.openxmlformats.org/officeDocument/2006/relationships" xmlns:p="http://schemas.openxmlformats.org/presentationml/2006/main">
+  <p:cSld>
+    <p:spTree>
+      <p:nvGrpSpPr>
+        <p:cNvPr id="1" name=""/>
+        <p:cNvGrpSpPr/>
+        <p:nvPr/>
+      </p:nvGrpSpPr>
+      <p:grpSpPr>
+        <a:xfrm>
+          <a:off x="0" y="0"/>
+          <a:ext cx="0" cy="0"/>
+          <a:chOff x="0" y="0"/>
+          <a:chExt cx="0" cy="0"/>
+        </a:xfrm>
+      </p:grpSpPr>
+      <p:sp>
+        <p:nvSpPr>
+          <p:cNvPr id="2" name="タイトル 1">
+            <a:extLst>
+              <a:ext uri="{FF2B5EF4-FFF2-40B4-BE49-F238E27FC236}">
+                <a16:creationId xmlns:a16="http://schemas.microsoft.com/office/drawing/2014/main" id="{3CFC0973-5470-4457-BA21-693235F41B51}"/>
+              </a:ext>
+            </a:extLst>
+          </p:cNvPr>
+          <p:cNvSpPr>
+            <a:spLocks noGrp="1"/>
+          </p:cNvSpPr>
+          <p:nvPr>
+            <p:ph type="title"/>
+          </p:nvPr>
+        </p:nvSpPr>
+        <p:spPr>
+          <a:xfrm>
+            <a:off x="4745467" y="472702"/>
+            <a:ext cx="2701066" cy="1325563"/>
+          </a:xfrm>
+        </p:spPr>
+        <p:txBody>
+          <a:bodyPr/>
+          <a:lstStyle/>
+          <a:p>
+            <a:r>
+              <a:rPr kumimoji="1" lang="ja-JP" altLang="en-US" dirty="0"/>
+              <a:t>アイテム</a:t>
+            </a:r>
+          </a:p>
+        </p:txBody>
+      </p:sp>
+      <p:sp>
+        <p:nvSpPr>
+          <p:cNvPr id="4" name="テキスト ボックス 3">
+            <a:extLst>
+              <a:ext uri="{FF2B5EF4-FFF2-40B4-BE49-F238E27FC236}">
+                <a16:creationId xmlns:a16="http://schemas.microsoft.com/office/drawing/2014/main" id="{BB64330C-C6A5-4872-9EA7-E8CBAC02416D}"/>
+              </a:ext>
+            </a:extLst>
+          </p:cNvPr>
+          <p:cNvSpPr txBox="1"/>
+          <p:nvPr/>
+        </p:nvSpPr>
+        <p:spPr>
+          <a:xfrm>
+            <a:off x="2151529" y="2259106"/>
+            <a:ext cx="7035502" cy="2585323"/>
+          </a:xfrm>
+          <a:prstGeom prst="rect">
+            <a:avLst/>
+          </a:prstGeom>
+          <a:noFill/>
+        </p:spPr>
+        <p:txBody>
+          <a:bodyPr wrap="square" rtlCol="0">
+            <a:spAutoFit/>
+          </a:bodyPr>
+          <a:lstStyle/>
+          <a:p>
+            <a:r>
+              <a:rPr kumimoji="1" lang="ja-JP" altLang="en-US" sz="3600" dirty="0"/>
+              <a:t>敵から確率</a:t>
+            </a:r>
+            <a:r>
+              <a:rPr lang="ja-JP" altLang="en-US" sz="3600" dirty="0"/>
+              <a:t>でパワーアップアイテムがドロップする。</a:t>
+            </a:r>
+            <a:endParaRPr lang="en-US" altLang="ja-JP" sz="3600" dirty="0"/>
+          </a:p>
+          <a:p>
+            <a:r>
+              <a:rPr kumimoji="1" lang="ja-JP" altLang="en-US" sz="3600" dirty="0"/>
+              <a:t>アイテムは</a:t>
+            </a:r>
+            <a:r>
+              <a:rPr kumimoji="1" lang="en-US" altLang="ja-JP" sz="3600" dirty="0"/>
+              <a:t>2</a:t>
+            </a:r>
+            <a:r>
+              <a:rPr kumimoji="1" lang="ja-JP" altLang="en-US" sz="3600" dirty="0"/>
+              <a:t>種類、</a:t>
+            </a:r>
+            <a:endParaRPr kumimoji="1" lang="en-US" altLang="ja-JP" sz="3600" dirty="0"/>
+          </a:p>
+          <a:p>
+            <a:r>
+              <a:rPr kumimoji="1" lang="en-US" altLang="ja-JP" sz="3600" dirty="0"/>
+              <a:t>HP</a:t>
+            </a:r>
+            <a:r>
+              <a:rPr kumimoji="1" lang="ja-JP" altLang="en-US" sz="3600" dirty="0"/>
+              <a:t>回復、攻撃</a:t>
+            </a:r>
+            <a:r>
+              <a:rPr kumimoji="1" lang="en-US" altLang="ja-JP" sz="3600" dirty="0"/>
+              <a:t>UP</a:t>
+            </a:r>
+            <a:r>
+              <a:rPr kumimoji="1" lang="ja-JP" altLang="en-US" sz="3600" dirty="0" err="1"/>
+              <a:t>。</a:t>
+            </a:r>
+            <a:endParaRPr kumimoji="1" lang="en-US" altLang="ja-JP" sz="3600" dirty="0"/>
+          </a:p>
+          <a:p>
+            <a:endParaRPr kumimoji="1" lang="en-US" altLang="ja-JP" dirty="0"/>
+          </a:p>
+        </p:txBody>
+      </p:sp>
+    </p:spTree>
+    <p:extLst>
+      <p:ext uri="{BB962C8B-B14F-4D97-AF65-F5344CB8AC3E}">
+        <p14:creationId xmlns:p14="http://schemas.microsoft.com/office/powerpoint/2010/main" val="2259934183"/>
       </p:ext>
     </p:extLst>
   </p:cSld>
